--- a/web/g25/status/Status4.pptx
+++ b/web/g25/status/Status4.pptx
@@ -5651,21 +5651,8 @@
                   <a:srgbClr val="A50021"/>
                 </a:solidFill>
               </a:rPr>
-              <a:t>I Quiz 3 var jeres gennemsnitlige vurdering af pensummets sværhedsgrad </a:t>
-            </a:r>
-            <a:r>
-              <a:rPr lang="da-DK" altLang="da-DK" sz="1800" b="1" spc="-80" dirty="0" smtClean="0">
-                <a:solidFill>
-                  <a:srgbClr val="A50021"/>
-                </a:solidFill>
-              </a:rPr>
-              <a:t>3,75</a:t>
-            </a:r>
-            <a:endParaRPr lang="da-DK" altLang="da-DK" sz="1800" b="1" spc="-80" dirty="0" smtClean="0">
-              <a:solidFill>
-                <a:srgbClr val="A50021"/>
-              </a:solidFill>
-            </a:endParaRPr>
+              <a:t>I Quiz 3 var jeres gennemsnitlige vurdering af pensummets sværhedsgrad 3,75</a:t>
+            </a:r>
           </a:p>
           <a:p>
             <a:pPr marL="742950" lvl="1" indent="-285750">
@@ -5722,8 +5709,9 @@
             </a:pPr>
             <a:r>
               <a:rPr lang="da-DK" altLang="da-DK" sz="1600" dirty="0" smtClean="0"/>
-              <a:t>Ingen genafleveringer</a:t>
-            </a:r>
+              <a:t>Kun en enkelt genafleveringer, hvor nogle småting skulle rettes</a:t>
+            </a:r>
+            <a:endParaRPr lang="da-DK" altLang="da-DK" sz="1600" dirty="0" smtClean="0"/>
           </a:p>
           <a:p>
             <a:pPr marL="271463" lvl="1" indent="-271463">
@@ -5789,15 +5777,7 @@
             </a:pPr>
             <a:r>
               <a:rPr lang="da-DK" altLang="da-DK" sz="1600" dirty="0" smtClean="0"/>
-              <a:t>I brugte </a:t>
-            </a:r>
-            <a:r>
-              <a:rPr lang="da-DK" altLang="da-DK" sz="1600" dirty="0" smtClean="0"/>
-              <a:t>1,41 </a:t>
-            </a:r>
-            <a:r>
-              <a:rPr lang="da-DK" altLang="da-DK" sz="1600" dirty="0" smtClean="0"/>
-              <a:t>forsøg pr spørgsmål (mod 1,53 i foråret 2024)</a:t>
+              <a:t>I brugte 1,41 forsøg pr spørgsmål (mod 1,53 i foråret 2024)</a:t>
             </a:r>
           </a:p>
           <a:p>
@@ -5810,7 +5790,11 @@
             </a:pPr>
             <a:r>
               <a:rPr lang="da-DK" altLang="da-DK" sz="1600" dirty="0" smtClean="0"/>
-              <a:t>En del af jer havde dog svært ved de fire sidste spørgsmål (om rekursive metoder)</a:t>
+              <a:t>Nogle </a:t>
+            </a:r>
+            <a:r>
+              <a:rPr lang="da-DK" altLang="da-DK" sz="1600" dirty="0" smtClean="0"/>
+              <a:t>af jer havde dog svært ved de fire sidste spørgsmål (om rekursive metoder)</a:t>
             </a:r>
           </a:p>
           <a:p>
@@ -8014,23 +7998,6 @@
 </file>
 
 <file path=customXml/item1.xml><?xml version="1.0" encoding="utf-8"?>
-<p:properties xmlns:p="http://schemas.microsoft.com/office/2006/metadata/properties" xmlns:xsi="http://www.w3.org/2001/XMLSchema-instance" xmlns:pc="http://schemas.microsoft.com/office/infopath/2007/PartnerControls">
-  <documentManagement>
-    <_activity xmlns="f659a008-7c21-4ee3-a745-e38581e13101" xsi:nil="true"/>
-  </documentManagement>
-</p:properties>
-</file>
-
-<file path=customXml/item2.xml><?xml version="1.0" encoding="utf-8"?>
-<?mso-contentType ?>
-<FormTemplates xmlns="http://schemas.microsoft.com/sharepoint/v3/contenttype/forms">
-  <Display>DocumentLibraryForm</Display>
-  <Edit>DocumentLibraryForm</Edit>
-  <New>DocumentLibraryForm</New>
-</FormTemplates>
-</file>
-
-<file path=customXml/item3.xml><?xml version="1.0" encoding="utf-8"?>
 <ct:contentTypeSchema xmlns:ct="http://schemas.microsoft.com/office/2006/metadata/contentType" xmlns:ma="http://schemas.microsoft.com/office/2006/metadata/properties/metaAttributes" ct:_="" ma:_="" ma:contentTypeName="Dokument" ma:contentTypeID="0x01010056836BC33D1E5846BD77C269C61838DB" ma:contentTypeVersion="16" ma:contentTypeDescription="Opret et nyt dokument." ma:contentTypeScope="" ma:versionID="ef3cc48880d2d4424b772cc9d47831bb">
   <xsd:schema xmlns:xsd="http://www.w3.org/2001/XMLSchema" xmlns:xs="http://www.w3.org/2001/XMLSchema" xmlns:p="http://schemas.microsoft.com/office/2006/metadata/properties" xmlns:ns3="f659a008-7c21-4ee3-a745-e38581e13101" xmlns:ns4="e064323b-8959-406a-a3e9-bb6e93638192" targetNamespace="http://schemas.microsoft.com/office/2006/metadata/properties" ma:root="true" ma:fieldsID="f385e854457ff68500d83ba1a633310b" ns3:_="" ns4:_="">
     <xsd:import namespace="f659a008-7c21-4ee3-a745-e38581e13101"/>
@@ -8269,32 +8236,24 @@
 </ct:contentTypeSchema>
 </file>
 
-<file path=customXml/itemProps1.xml><?xml version="1.0" encoding="utf-8"?>
-<ds:datastoreItem xmlns:ds="http://schemas.openxmlformats.org/officeDocument/2006/customXml" ds:itemID="{D89C4BA9-389D-4B8C-BC22-4164541E1CC7}">
-  <ds:schemaRefs>
-    <ds:schemaRef ds:uri="http://purl.org/dc/elements/1.1/"/>
-    <ds:schemaRef ds:uri="e064323b-8959-406a-a3e9-bb6e93638192"/>
-    <ds:schemaRef ds:uri="http://schemas.microsoft.com/office/2006/metadata/properties"/>
-    <ds:schemaRef ds:uri="http://schemas.microsoft.com/office/2006/documentManagement/types"/>
-    <ds:schemaRef ds:uri="f659a008-7c21-4ee3-a745-e38581e13101"/>
-    <ds:schemaRef ds:uri="http://purl.org/dc/terms/"/>
-    <ds:schemaRef ds:uri="http://schemas.microsoft.com/office/infopath/2007/PartnerControls"/>
-    <ds:schemaRef ds:uri="http://schemas.openxmlformats.org/package/2006/metadata/core-properties"/>
-    <ds:schemaRef ds:uri="http://www.w3.org/XML/1998/namespace"/>
-    <ds:schemaRef ds:uri="http://purl.org/dc/dcmitype/"/>
-  </ds:schemaRefs>
-</ds:datastoreItem>
+<file path=customXml/item2.xml><?xml version="1.0" encoding="utf-8"?>
+<?mso-contentType ?>
+<FormTemplates xmlns="http://schemas.microsoft.com/sharepoint/v3/contenttype/forms">
+  <Display>DocumentLibraryForm</Display>
+  <Edit>DocumentLibraryForm</Edit>
+  <New>DocumentLibraryForm</New>
+</FormTemplates>
 </file>
 
-<file path=customXml/itemProps2.xml><?xml version="1.0" encoding="utf-8"?>
-<ds:datastoreItem xmlns:ds="http://schemas.openxmlformats.org/officeDocument/2006/customXml" ds:itemID="{6A8AA039-0BD4-4E01-B5E3-EAF6B44052E1}">
-  <ds:schemaRefs>
-    <ds:schemaRef ds:uri="http://schemas.microsoft.com/sharepoint/v3/contenttype/forms"/>
-  </ds:schemaRefs>
-</ds:datastoreItem>
+<file path=customXml/item3.xml><?xml version="1.0" encoding="utf-8"?>
+<p:properties xmlns:p="http://schemas.microsoft.com/office/2006/metadata/properties" xmlns:xsi="http://www.w3.org/2001/XMLSchema-instance" xmlns:pc="http://schemas.microsoft.com/office/infopath/2007/PartnerControls">
+  <documentManagement>
+    <_activity xmlns="f659a008-7c21-4ee3-a745-e38581e13101" xsi:nil="true"/>
+  </documentManagement>
+</p:properties>
 </file>
 
-<file path=customXml/itemProps3.xml><?xml version="1.0" encoding="utf-8"?>
+<file path=customXml/itemProps1.xml><?xml version="1.0" encoding="utf-8"?>
 <ds:datastoreItem xmlns:ds="http://schemas.openxmlformats.org/officeDocument/2006/customXml" ds:itemID="{BFE60437-D6E7-4B81-97D0-0A96D08BE6E1}">
   <ds:schemaRefs>
     <ds:schemaRef ds:uri="http://schemas.microsoft.com/office/2006/metadata/contentType"/>
@@ -8311,4 +8270,29 @@
     <ds:schemaRef ds:uri="http://schemas.microsoft.com/internal/obd"/>
   </ds:schemaRefs>
 </ds:datastoreItem>
+</file>
+
+<file path=customXml/itemProps2.xml><?xml version="1.0" encoding="utf-8"?>
+<ds:datastoreItem xmlns:ds="http://schemas.openxmlformats.org/officeDocument/2006/customXml" ds:itemID="{6A8AA039-0BD4-4E01-B5E3-EAF6B44052E1}">
+  <ds:schemaRefs>
+    <ds:schemaRef ds:uri="http://schemas.microsoft.com/sharepoint/v3/contenttype/forms"/>
+  </ds:schemaRefs>
+</ds:datastoreItem>
+</file>
+
+<file path=customXml/itemProps3.xml><?xml version="1.0" encoding="utf-8"?>
+<ds:datastoreItem xmlns:ds="http://schemas.openxmlformats.org/officeDocument/2006/customXml" ds:itemID="{D89C4BA9-389D-4B8C-BC22-4164541E1CC7}">
+  <ds:schemaRefs>
+    <ds:schemaRef ds:uri="http://schemas.microsoft.com/office/2006/documentManagement/types"/>
+    <ds:schemaRef ds:uri="http://www.w3.org/XML/1998/namespace"/>
+    <ds:schemaRef ds:uri="http://schemas.microsoft.com/office/infopath/2007/PartnerControls"/>
+    <ds:schemaRef ds:uri="http://purl.org/dc/dcmitype/"/>
+    <ds:schemaRef ds:uri="http://purl.org/dc/elements/1.1/"/>
+    <ds:schemaRef ds:uri="http://schemas.openxmlformats.org/package/2006/metadata/core-properties"/>
+    <ds:schemaRef ds:uri="http://purl.org/dc/terms/"/>
+    <ds:schemaRef ds:uri="e064323b-8959-406a-a3e9-bb6e93638192"/>
+    <ds:schemaRef ds:uri="f659a008-7c21-4ee3-a745-e38581e13101"/>
+    <ds:schemaRef ds:uri="http://schemas.microsoft.com/office/2006/metadata/properties"/>
+  </ds:schemaRefs>
+</ds:datastoreItem>
 </file>
--- a/web/g25/status/Status4.pptx
+++ b/web/g25/status/Status4.pptx
@@ -5711,7 +5711,6 @@
               <a:rPr lang="da-DK" altLang="da-DK" sz="1600" dirty="0" smtClean="0"/>
               <a:t>Kun en enkelt genafleveringer, hvor nogle småting skulle rettes</a:t>
             </a:r>
-            <a:endParaRPr lang="da-DK" altLang="da-DK" sz="1600" dirty="0" smtClean="0"/>
           </a:p>
           <a:p>
             <a:pPr marL="271463" lvl="1" indent="-271463">
@@ -5790,11 +5789,7 @@
             </a:pPr>
             <a:r>
               <a:rPr lang="da-DK" altLang="da-DK" sz="1600" dirty="0" smtClean="0"/>
-              <a:t>Nogle </a:t>
-            </a:r>
-            <a:r>
-              <a:rPr lang="da-DK" altLang="da-DK" sz="1600" dirty="0" smtClean="0"/>
-              <a:t>af jer havde dog svært ved de fire sidste spørgsmål (om rekursive metoder)</a:t>
+              <a:t>Nogle af jer havde dog svært ved de fire sidste spørgsmål (om rekursive metoder)</a:t>
             </a:r>
           </a:p>
           <a:p>
@@ -6368,15 +6363,7 @@
             </a:r>
             <a:r>
               <a:rPr lang="da-DK" altLang="da-DK" sz="1600" dirty="0" smtClean="0"/>
-              <a:t>24. februar og mandag </a:t>
-            </a:r>
-            <a:r>
-              <a:rPr lang="da-DK" altLang="da-DK" sz="1600" smtClean="0"/>
-              <a:t>den 3. </a:t>
-            </a:r>
-            <a:r>
-              <a:rPr lang="da-DK" altLang="da-DK" sz="1600" dirty="0" smtClean="0"/>
-              <a:t>marts) </a:t>
+              <a:t>24. februar og mandag den 3. marts) </a:t>
             </a:r>
           </a:p>
           <a:p>
@@ -6412,15 +6399,27 @@
             </a:r>
             <a:r>
               <a:rPr lang="da-DK" altLang="da-DK" sz="1600" dirty="0"/>
-              <a:t>spørgsmål 9 og </a:t>
+              <a:t>spørgsmål </a:t>
             </a:r>
             <a:r>
               <a:rPr lang="da-DK" altLang="da-DK" sz="1600" dirty="0" smtClean="0"/>
-              <a:t>10 i opgavesættene, </a:t>
+              <a:t>10 </a:t>
+            </a:r>
+            <a:r>
+              <a:rPr lang="da-DK" altLang="da-DK" sz="1600" dirty="0" smtClean="0"/>
+              <a:t>i opgavesættene, </a:t>
             </a:r>
             <a:r>
               <a:rPr lang="da-DK" altLang="da-DK" sz="1600" dirty="0"/>
-              <a:t>idet de bruger ting, </a:t>
+              <a:t>idet </a:t>
+            </a:r>
+            <a:r>
+              <a:rPr lang="da-DK" altLang="da-DK" sz="1600" smtClean="0"/>
+              <a:t>der her bruges </a:t>
+            </a:r>
+            <a:r>
+              <a:rPr lang="da-DK" altLang="da-DK" sz="1600" dirty="0"/>
+              <a:t>ting, </a:t>
             </a:r>
             <a:r>
               <a:rPr lang="da-DK" altLang="da-DK" sz="1600" dirty="0" smtClean="0"/>
@@ -7998,6 +7997,15 @@
 </file>
 
 <file path=customXml/item1.xml><?xml version="1.0" encoding="utf-8"?>
+<?mso-contentType ?>
+<FormTemplates xmlns="http://schemas.microsoft.com/sharepoint/v3/contenttype/forms">
+  <Display>DocumentLibraryForm</Display>
+  <Edit>DocumentLibraryForm</Edit>
+  <New>DocumentLibraryForm</New>
+</FormTemplates>
+</file>
+
+<file path=customXml/item2.xml><?xml version="1.0" encoding="utf-8"?>
 <ct:contentTypeSchema xmlns:ct="http://schemas.microsoft.com/office/2006/metadata/contentType" xmlns:ma="http://schemas.microsoft.com/office/2006/metadata/properties/metaAttributes" ct:_="" ma:_="" ma:contentTypeName="Dokument" ma:contentTypeID="0x01010056836BC33D1E5846BD77C269C61838DB" ma:contentTypeVersion="16" ma:contentTypeDescription="Opret et nyt dokument." ma:contentTypeScope="" ma:versionID="ef3cc48880d2d4424b772cc9d47831bb">
   <xsd:schema xmlns:xsd="http://www.w3.org/2001/XMLSchema" xmlns:xs="http://www.w3.org/2001/XMLSchema" xmlns:p="http://schemas.microsoft.com/office/2006/metadata/properties" xmlns:ns3="f659a008-7c21-4ee3-a745-e38581e13101" xmlns:ns4="e064323b-8959-406a-a3e9-bb6e93638192" targetNamespace="http://schemas.microsoft.com/office/2006/metadata/properties" ma:root="true" ma:fieldsID="f385e854457ff68500d83ba1a633310b" ns3:_="" ns4:_="">
     <xsd:import namespace="f659a008-7c21-4ee3-a745-e38581e13101"/>
@@ -8236,15 +8244,6 @@
 </ct:contentTypeSchema>
 </file>
 
-<file path=customXml/item2.xml><?xml version="1.0" encoding="utf-8"?>
-<?mso-contentType ?>
-<FormTemplates xmlns="http://schemas.microsoft.com/sharepoint/v3/contenttype/forms">
-  <Display>DocumentLibraryForm</Display>
-  <Edit>DocumentLibraryForm</Edit>
-  <New>DocumentLibraryForm</New>
-</FormTemplates>
-</file>
-
 <file path=customXml/item3.xml><?xml version="1.0" encoding="utf-8"?>
 <p:properties xmlns:p="http://schemas.microsoft.com/office/2006/metadata/properties" xmlns:xsi="http://www.w3.org/2001/XMLSchema-instance" xmlns:pc="http://schemas.microsoft.com/office/infopath/2007/PartnerControls">
   <documentManagement>
@@ -8254,6 +8253,14 @@
 </file>
 
 <file path=customXml/itemProps1.xml><?xml version="1.0" encoding="utf-8"?>
+<ds:datastoreItem xmlns:ds="http://schemas.openxmlformats.org/officeDocument/2006/customXml" ds:itemID="{6A8AA039-0BD4-4E01-B5E3-EAF6B44052E1}">
+  <ds:schemaRefs>
+    <ds:schemaRef ds:uri="http://schemas.microsoft.com/sharepoint/v3/contenttype/forms"/>
+  </ds:schemaRefs>
+</ds:datastoreItem>
+</file>
+
+<file path=customXml/itemProps2.xml><?xml version="1.0" encoding="utf-8"?>
 <ds:datastoreItem xmlns:ds="http://schemas.openxmlformats.org/officeDocument/2006/customXml" ds:itemID="{BFE60437-D6E7-4B81-97D0-0A96D08BE6E1}">
   <ds:schemaRefs>
     <ds:schemaRef ds:uri="http://schemas.microsoft.com/office/2006/metadata/contentType"/>
@@ -8272,27 +8279,19 @@
 </ds:datastoreItem>
 </file>
 
-<file path=customXml/itemProps2.xml><?xml version="1.0" encoding="utf-8"?>
-<ds:datastoreItem xmlns:ds="http://schemas.openxmlformats.org/officeDocument/2006/customXml" ds:itemID="{6A8AA039-0BD4-4E01-B5E3-EAF6B44052E1}">
-  <ds:schemaRefs>
-    <ds:schemaRef ds:uri="http://schemas.microsoft.com/sharepoint/v3/contenttype/forms"/>
-  </ds:schemaRefs>
-</ds:datastoreItem>
-</file>
-
 <file path=customXml/itemProps3.xml><?xml version="1.0" encoding="utf-8"?>
 <ds:datastoreItem xmlns:ds="http://schemas.openxmlformats.org/officeDocument/2006/customXml" ds:itemID="{D89C4BA9-389D-4B8C-BC22-4164541E1CC7}">
   <ds:schemaRefs>
+    <ds:schemaRef ds:uri="http://purl.org/dc/terms/"/>
+    <ds:schemaRef ds:uri="http://schemas.microsoft.com/office/infopath/2007/PartnerControls"/>
     <ds:schemaRef ds:uri="http://schemas.microsoft.com/office/2006/documentManagement/types"/>
-    <ds:schemaRef ds:uri="http://www.w3.org/XML/1998/namespace"/>
-    <ds:schemaRef ds:uri="http://schemas.microsoft.com/office/infopath/2007/PartnerControls"/>
-    <ds:schemaRef ds:uri="http://purl.org/dc/dcmitype/"/>
+    <ds:schemaRef ds:uri="http://schemas.openxmlformats.org/package/2006/metadata/core-properties"/>
     <ds:schemaRef ds:uri="http://purl.org/dc/elements/1.1/"/>
-    <ds:schemaRef ds:uri="http://schemas.openxmlformats.org/package/2006/metadata/core-properties"/>
-    <ds:schemaRef ds:uri="http://purl.org/dc/terms/"/>
     <ds:schemaRef ds:uri="e064323b-8959-406a-a3e9-bb6e93638192"/>
     <ds:schemaRef ds:uri="f659a008-7c21-4ee3-a745-e38581e13101"/>
     <ds:schemaRef ds:uri="http://schemas.microsoft.com/office/2006/metadata/properties"/>
+    <ds:schemaRef ds:uri="http://www.w3.org/XML/1998/namespace"/>
+    <ds:schemaRef ds:uri="http://purl.org/dc/dcmitype/"/>
   </ds:schemaRefs>
 </ds:datastoreItem>
 </file>